--- a/trunk/02. Database/Preprocessing/Understand Data+ Problem.pptx
+++ b/trunk/02. Database/Preprocessing/Understand Data+ Problem.pptx
@@ -292,7 +292,7 @@
             <a:fld id="{1D8BD707-D9CF-40AE-B4C6-C98DA3205C09}" type="datetimeFigureOut">
               <a:rPr lang="en-US" smtClean="0"/>
               <a:pPr/>
-              <a:t>9/24/2011</a:t>
+              <a:t>9/27/2011</a:t>
             </a:fld>
             <a:endParaRPr lang="en-US"/>
           </a:p>
@@ -459,7 +459,7 @@
             <a:fld id="{1D8BD707-D9CF-40AE-B4C6-C98DA3205C09}" type="datetimeFigureOut">
               <a:rPr lang="en-US" smtClean="0"/>
               <a:pPr/>
-              <a:t>9/24/2011</a:t>
+              <a:t>9/27/2011</a:t>
             </a:fld>
             <a:endParaRPr lang="en-US"/>
           </a:p>
@@ -636,7 +636,7 @@
             <a:fld id="{1D8BD707-D9CF-40AE-B4C6-C98DA3205C09}" type="datetimeFigureOut">
               <a:rPr lang="en-US" smtClean="0"/>
               <a:pPr/>
-              <a:t>9/24/2011</a:t>
+              <a:t>9/27/2011</a:t>
             </a:fld>
             <a:endParaRPr lang="en-US"/>
           </a:p>
@@ -803,7 +803,7 @@
             <a:fld id="{1D8BD707-D9CF-40AE-B4C6-C98DA3205C09}" type="datetimeFigureOut">
               <a:rPr lang="en-US" smtClean="0"/>
               <a:pPr/>
-              <a:t>9/24/2011</a:t>
+              <a:t>9/27/2011</a:t>
             </a:fld>
             <a:endParaRPr lang="en-US"/>
           </a:p>
@@ -1046,7 +1046,7 @@
             <a:fld id="{1D8BD707-D9CF-40AE-B4C6-C98DA3205C09}" type="datetimeFigureOut">
               <a:rPr lang="en-US" smtClean="0"/>
               <a:pPr/>
-              <a:t>9/24/2011</a:t>
+              <a:t>9/27/2011</a:t>
             </a:fld>
             <a:endParaRPr lang="en-US"/>
           </a:p>
@@ -1331,7 +1331,7 @@
             <a:fld id="{1D8BD707-D9CF-40AE-B4C6-C98DA3205C09}" type="datetimeFigureOut">
               <a:rPr lang="en-US" smtClean="0"/>
               <a:pPr/>
-              <a:t>9/24/2011</a:t>
+              <a:t>9/27/2011</a:t>
             </a:fld>
             <a:endParaRPr lang="en-US"/>
           </a:p>
@@ -1750,7 +1750,7 @@
             <a:fld id="{1D8BD707-D9CF-40AE-B4C6-C98DA3205C09}" type="datetimeFigureOut">
               <a:rPr lang="en-US" smtClean="0"/>
               <a:pPr/>
-              <a:t>9/24/2011</a:t>
+              <a:t>9/27/2011</a:t>
             </a:fld>
             <a:endParaRPr lang="en-US"/>
           </a:p>
@@ -1865,7 +1865,7 @@
             <a:fld id="{1D8BD707-D9CF-40AE-B4C6-C98DA3205C09}" type="datetimeFigureOut">
               <a:rPr lang="en-US" smtClean="0"/>
               <a:pPr/>
-              <a:t>9/24/2011</a:t>
+              <a:t>9/27/2011</a:t>
             </a:fld>
             <a:endParaRPr lang="en-US"/>
           </a:p>
@@ -1957,7 +1957,7 @@
             <a:fld id="{1D8BD707-D9CF-40AE-B4C6-C98DA3205C09}" type="datetimeFigureOut">
               <a:rPr lang="en-US" smtClean="0"/>
               <a:pPr/>
-              <a:t>9/24/2011</a:t>
+              <a:t>9/27/2011</a:t>
             </a:fld>
             <a:endParaRPr lang="en-US"/>
           </a:p>
@@ -2231,7 +2231,7 @@
             <a:fld id="{1D8BD707-D9CF-40AE-B4C6-C98DA3205C09}" type="datetimeFigureOut">
               <a:rPr lang="en-US" smtClean="0"/>
               <a:pPr/>
-              <a:t>9/24/2011</a:t>
+              <a:t>9/27/2011</a:t>
             </a:fld>
             <a:endParaRPr lang="en-US"/>
           </a:p>
@@ -2481,7 +2481,7 @@
             <a:fld id="{1D8BD707-D9CF-40AE-B4C6-C98DA3205C09}" type="datetimeFigureOut">
               <a:rPr lang="en-US" smtClean="0"/>
               <a:pPr/>
-              <a:t>9/24/2011</a:t>
+              <a:t>9/27/2011</a:t>
             </a:fld>
             <a:endParaRPr lang="en-US"/>
           </a:p>
@@ -2691,7 +2691,7 @@
             <a:fld id="{1D8BD707-D9CF-40AE-B4C6-C98DA3205C09}" type="datetimeFigureOut">
               <a:rPr lang="en-US" smtClean="0"/>
               <a:pPr/>
-              <a:t>9/24/2011</a:t>
+              <a:t>9/27/2011</a:t>
             </a:fld>
             <a:endParaRPr lang="en-US"/>
           </a:p>
@@ -3832,13 +3832,8 @@
             </a:r>
             <a:r>
               <a:rPr lang="en-US" sz="2000" dirty="0" smtClean="0"/>
-              <a:t> </a:t>
-            </a:r>
-            <a:r>
-              <a:rPr lang="en-US" sz="2000" dirty="0" smtClean="0"/>
-              <a:t>(10,12)</a:t>
-            </a:r>
-            <a:endParaRPr lang="en-US" sz="2000" dirty="0" smtClean="0"/>
+              <a:t> (10,12)</a:t>
+            </a:r>
           </a:p>
           <a:p>
             <a:pPr>
@@ -3889,7 +3884,6 @@
               <a:rPr lang="en-US" sz="2000" dirty="0" smtClean="0"/>
               <a:t>Model3:</a:t>
             </a:r>
-            <a:endParaRPr lang="en-US" sz="2000" dirty="0" smtClean="0"/>
           </a:p>
           <a:p>
             <a:pPr>
@@ -3917,13 +3911,8 @@
             </a:r>
             <a:r>
               <a:rPr lang="en-US" sz="2000" dirty="0" smtClean="0"/>
-              <a:t> (</a:t>
-            </a:r>
-            <a:r>
-              <a:rPr lang="en-US" sz="2000" dirty="0" smtClean="0"/>
-              <a:t>10,12)=&gt;&gt;11</a:t>
-            </a:r>
-            <a:endParaRPr lang="en-US" sz="2000" dirty="0" smtClean="0"/>
+              <a:t> (10,12)=&gt;&gt;11</a:t>
+            </a:r>
           </a:p>
           <a:p>
             <a:pPr>
@@ -4034,7 +4023,6 @@
               <a:rPr lang="en-US" dirty="0" smtClean="0"/>
               <a:t>Problem 2:</a:t>
             </a:r>
-            <a:endParaRPr lang="en-US" dirty="0" smtClean="0"/>
           </a:p>
           <a:p>
             <a:pPr>
@@ -4248,13 +4236,8 @@
             </a:r>
             <a:r>
               <a:rPr lang="en-US" sz="2000" dirty="0" smtClean="0"/>
-              <a:t> 8-9=&gt;&gt;</a:t>
-            </a:r>
-            <a:r>
-              <a:rPr lang="en-US" sz="2000" dirty="0" smtClean="0"/>
-              <a:t>11(Model4)</a:t>
-            </a:r>
-            <a:endParaRPr lang="en-US" sz="2000" dirty="0" smtClean="0"/>
+              <a:t> 8-9=&gt;&gt;11(Model4)</a:t>
+            </a:r>
           </a:p>
           <a:p>
             <a:pPr>
@@ -4314,11 +4297,7 @@
             </a:r>
             <a:r>
               <a:rPr lang="en-US" sz="2000" dirty="0" smtClean="0"/>
-              <a:t> 8-9=&gt;&gt;</a:t>
-            </a:r>
-            <a:r>
-              <a:rPr lang="en-US" sz="2000" dirty="0" smtClean="0"/>
-              <a:t>10,12(Model5): </a:t>
+              <a:t> 8-9=&gt;&gt;10,12(Model5): </a:t>
             </a:r>
             <a:r>
               <a:rPr lang="en-US" sz="2000" dirty="0" err="1" smtClean="0"/>
@@ -4427,13 +4406,8 @@
             </a:r>
             <a:r>
               <a:rPr lang="en-US" sz="2000" dirty="0" smtClean="0"/>
-              <a:t> 10-12=&gt;&gt;</a:t>
-            </a:r>
-            <a:r>
-              <a:rPr lang="en-US" sz="2000" dirty="0" smtClean="0"/>
-              <a:t>11(Model6)</a:t>
-            </a:r>
-            <a:endParaRPr lang="en-US" sz="2000" dirty="0" smtClean="0"/>
+              <a:t> 10-12=&gt;&gt;11(Model6)</a:t>
+            </a:r>
           </a:p>
           <a:p>
             <a:pPr>
@@ -4554,11 +4528,7 @@
             </a:r>
             <a:r>
               <a:rPr lang="en-US" sz="2000" dirty="0" smtClean="0"/>
-              <a:t> 8-9</a:t>
-            </a:r>
-            <a:r>
-              <a:rPr lang="en-US" sz="2000" dirty="0" smtClean="0"/>
-              <a:t>=&gt;&gt;10,12(Model8): </a:t>
+              <a:t> 8-9=&gt;&gt;10,12(Model8): </a:t>
             </a:r>
             <a:r>
               <a:rPr lang="en-US" sz="2000" dirty="0" err="1" smtClean="0"/>
@@ -4667,11 +4637,7 @@
             </a:r>
             <a:r>
               <a:rPr lang="en-US" sz="2000" dirty="0" smtClean="0"/>
-              <a:t> </a:t>
-            </a:r>
-            <a:r>
-              <a:rPr lang="en-US" sz="2000" dirty="0" smtClean="0"/>
-              <a:t>10-12=&gt;&gt;11(Model9)</a:t>
+              <a:t> 10-12=&gt;&gt;11(Model9)</a:t>
             </a:r>
           </a:p>
           <a:p>
@@ -4724,11 +4690,7 @@
             </a:r>
             <a:r>
               <a:rPr lang="en-US" sz="2000" dirty="0" smtClean="0"/>
-              <a:t> </a:t>
-            </a:r>
-            <a:r>
-              <a:rPr lang="en-US" sz="2000" dirty="0" smtClean="0"/>
-              <a:t>-3 </a:t>
+              <a:t> -3 </a:t>
             </a:r>
             <a:r>
               <a:rPr lang="en-US" sz="2000" dirty="0" err="1" smtClean="0"/>
@@ -4736,13 +4698,8 @@
             </a:r>
             <a:r>
               <a:rPr lang="en-US" sz="2000" dirty="0" smtClean="0"/>
-              <a:t> 8-9=&gt;&gt;</a:t>
-            </a:r>
-            <a:r>
-              <a:rPr lang="en-US" sz="2000" dirty="0" smtClean="0"/>
-              <a:t>11(Model10)</a:t>
-            </a:r>
-            <a:endParaRPr lang="en-US" sz="2000" dirty="0" smtClean="0"/>
+              <a:t> 8-9=&gt;&gt;11(Model10)</a:t>
+            </a:r>
           </a:p>
           <a:p>
             <a:pPr>
@@ -4794,11 +4751,7 @@
             </a:r>
             <a:r>
               <a:rPr lang="en-US" sz="2000" dirty="0" smtClean="0"/>
-              <a:t> </a:t>
-            </a:r>
-            <a:r>
-              <a:rPr lang="en-US" sz="2000" dirty="0" smtClean="0"/>
-              <a:t>-3 </a:t>
+              <a:t> -3 </a:t>
             </a:r>
             <a:r>
               <a:rPr lang="en-US" sz="2000" dirty="0" err="1" smtClean="0"/>
@@ -4806,11 +4759,7 @@
             </a:r>
             <a:r>
               <a:rPr lang="en-US" sz="2000" dirty="0" smtClean="0"/>
-              <a:t> 8-9=&gt;&gt;</a:t>
-            </a:r>
-            <a:r>
-              <a:rPr lang="en-US" sz="2000" dirty="0" smtClean="0"/>
-              <a:t>10,12(Model11): </a:t>
+              <a:t> 8-9=&gt;&gt;10,12(Model11): </a:t>
             </a:r>
             <a:r>
               <a:rPr lang="en-US" sz="2000" dirty="0" err="1" smtClean="0"/>
@@ -4911,11 +4860,7 @@
             </a:r>
             <a:r>
               <a:rPr lang="en-US" sz="2000" dirty="0" smtClean="0"/>
-              <a:t> </a:t>
-            </a:r>
-            <a:r>
-              <a:rPr lang="en-US" sz="2000" dirty="0" smtClean="0"/>
-              <a:t>-3 </a:t>
+              <a:t> -3 </a:t>
             </a:r>
             <a:r>
               <a:rPr lang="en-US" sz="2000" dirty="0" err="1" smtClean="0"/>
@@ -4923,11 +4868,7 @@
             </a:r>
             <a:r>
               <a:rPr lang="en-US" sz="2000" dirty="0" smtClean="0"/>
-              <a:t> 10-12=&gt;&gt;</a:t>
-            </a:r>
-            <a:r>
-              <a:rPr lang="en-US" sz="2000" dirty="0" smtClean="0"/>
-              <a:t>11(Model12)</a:t>
+              <a:t> 10-12=&gt;&gt;11(Model12)</a:t>
             </a:r>
           </a:p>
           <a:p>
@@ -4980,11 +4921,7 @@
             </a:r>
             <a:r>
               <a:rPr lang="en-US" sz="2000" dirty="0" smtClean="0"/>
-              <a:t> </a:t>
-            </a:r>
-            <a:r>
-              <a:rPr lang="en-US" sz="2000" dirty="0" smtClean="0"/>
-              <a:t>-4 </a:t>
+              <a:t> -4 </a:t>
             </a:r>
             <a:r>
               <a:rPr lang="en-US" sz="2000" dirty="0" err="1" smtClean="0"/>
@@ -4992,11 +4929,7 @@
             </a:r>
             <a:r>
               <a:rPr lang="en-US" sz="2000" dirty="0" smtClean="0"/>
-              <a:t> 8-9=&gt;&gt;</a:t>
-            </a:r>
-            <a:r>
-              <a:rPr lang="en-US" sz="2000" dirty="0" smtClean="0"/>
-              <a:t>10,12(Model13): </a:t>
+              <a:t> 8-9=&gt;&gt;10,12(Model13): </a:t>
             </a:r>
             <a:r>
               <a:rPr lang="en-US" sz="2000" dirty="0" err="1" smtClean="0"/>
@@ -5125,7 +5058,6 @@
               <a:rPr lang="en-US" sz="2000" dirty="0" smtClean="0"/>
               <a:t>)</a:t>
             </a:r>
-            <a:endParaRPr lang="en-US" sz="2000" dirty="0" smtClean="0"/>
           </a:p>
           <a:p>
             <a:pPr>
@@ -5212,6 +5144,98 @@
             <a:pPr>
               <a:buNone/>
             </a:pPr>
+            <a:r>
+              <a:rPr lang="en-US" sz="1800" dirty="0" smtClean="0"/>
+              <a:t>1. </a:t>
+            </a:r>
+            <a:r>
+              <a:rPr lang="en-US" sz="1800" dirty="0" err="1" smtClean="0"/>
+              <a:t>Làm</a:t>
+            </a:r>
+            <a:r>
+              <a:rPr lang="en-US" sz="1800" dirty="0" smtClean="0"/>
+              <a:t> </a:t>
+            </a:r>
+            <a:r>
+              <a:rPr lang="en-US" sz="1800" dirty="0" err="1" smtClean="0"/>
+              <a:t>sao</a:t>
+            </a:r>
+            <a:r>
+              <a:rPr lang="en-US" sz="1800" dirty="0" smtClean="0"/>
+              <a:t> </a:t>
+            </a:r>
+            <a:r>
+              <a:rPr lang="en-US" sz="1800" dirty="0" err="1" smtClean="0"/>
+              <a:t>để</a:t>
+            </a:r>
+            <a:r>
+              <a:rPr lang="en-US" sz="1800" dirty="0" smtClean="0"/>
+              <a:t> </a:t>
+            </a:r>
+            <a:r>
+              <a:rPr lang="en-US" sz="1800" dirty="0" err="1" smtClean="0"/>
+              <a:t>lấy</a:t>
+            </a:r>
+            <a:r>
+              <a:rPr lang="en-US" sz="1800" dirty="0" smtClean="0"/>
+              <a:t> </a:t>
+            </a:r>
+            <a:r>
+              <a:rPr lang="en-US" sz="1800" dirty="0" err="1" smtClean="0"/>
+              <a:t>được</a:t>
+            </a:r>
+            <a:r>
+              <a:rPr lang="en-US" sz="1800" dirty="0" smtClean="0"/>
+              <a:t> </a:t>
+            </a:r>
+            <a:r>
+              <a:rPr lang="en-US" sz="1800" dirty="0" err="1" smtClean="0"/>
+              <a:t>thông</a:t>
+            </a:r>
+            <a:r>
+              <a:rPr lang="en-US" sz="1800" dirty="0" smtClean="0"/>
+              <a:t> tin </a:t>
+            </a:r>
+            <a:r>
+              <a:rPr lang="en-US" sz="1800" dirty="0" err="1" smtClean="0"/>
+              <a:t>học</a:t>
+            </a:r>
+            <a:r>
+              <a:rPr lang="en-US" sz="1800" dirty="0" smtClean="0"/>
+              <a:t> </a:t>
+            </a:r>
+            <a:r>
+              <a:rPr lang="en-US" sz="1800" dirty="0" err="1" smtClean="0"/>
+              <a:t>viên</a:t>
+            </a:r>
+            <a:r>
+              <a:rPr lang="en-US" sz="1800" dirty="0" smtClean="0"/>
+              <a:t> </a:t>
+            </a:r>
+            <a:r>
+              <a:rPr lang="en-US" sz="1800" dirty="0" err="1" smtClean="0"/>
+              <a:t>đã</a:t>
+            </a:r>
+            <a:r>
+              <a:rPr lang="en-US" sz="1800" dirty="0" smtClean="0"/>
+              <a:t> </a:t>
+            </a:r>
+            <a:r>
+              <a:rPr lang="en-US" sz="1800" dirty="0" err="1" smtClean="0"/>
+              <a:t>tốt</a:t>
+            </a:r>
+            <a:r>
+              <a:rPr lang="en-US" sz="1800" dirty="0" smtClean="0"/>
+              <a:t> </a:t>
+            </a:r>
+            <a:r>
+              <a:rPr lang="en-US" sz="1800" dirty="0" err="1" smtClean="0"/>
+              <a:t>nghiệp</a:t>
+            </a:r>
+            <a:r>
+              <a:rPr lang="en-US" sz="1800" dirty="0" smtClean="0"/>
+              <a:t>?</a:t>
+            </a:r>
             <a:endParaRPr lang="en-US" sz="1800" dirty="0"/>
           </a:p>
         </p:txBody>

--- a/trunk/02. Database/Preprocessing/Understand Data+ Problem.pptx
+++ b/trunk/02. Database/Preprocessing/Understand Data+ Problem.pptx
@@ -5142,15 +5142,196 @@
           <a:lstStyle/>
           <a:p>
             <a:pPr>
-              <a:buNone/>
+              <a:buAutoNum type="arabicPeriod"/>
             </a:pPr>
             <a:r>
+              <a:rPr lang="en-US" sz="1800" dirty="0" err="1" smtClean="0">
+                <a:solidFill>
+                  <a:srgbClr val="FF0000"/>
+                </a:solidFill>
+              </a:rPr>
+              <a:t>Làm</a:t>
+            </a:r>
+            <a:r>
+              <a:rPr lang="en-US" sz="1800" dirty="0" smtClean="0">
+                <a:solidFill>
+                  <a:srgbClr val="FF0000"/>
+                </a:solidFill>
+              </a:rPr>
+              <a:t> </a:t>
+            </a:r>
+            <a:r>
+              <a:rPr lang="en-US" sz="1800" dirty="0" err="1" smtClean="0">
+                <a:solidFill>
+                  <a:srgbClr val="FF0000"/>
+                </a:solidFill>
+              </a:rPr>
+              <a:t>sao</a:t>
+            </a:r>
+            <a:r>
+              <a:rPr lang="en-US" sz="1800" dirty="0" smtClean="0">
+                <a:solidFill>
+                  <a:srgbClr val="FF0000"/>
+                </a:solidFill>
+              </a:rPr>
+              <a:t> </a:t>
+            </a:r>
+            <a:r>
+              <a:rPr lang="en-US" sz="1800" dirty="0" err="1" smtClean="0">
+                <a:solidFill>
+                  <a:srgbClr val="FF0000"/>
+                </a:solidFill>
+              </a:rPr>
+              <a:t>để</a:t>
+            </a:r>
+            <a:r>
+              <a:rPr lang="en-US" sz="1800" dirty="0" smtClean="0">
+                <a:solidFill>
+                  <a:srgbClr val="FF0000"/>
+                </a:solidFill>
+              </a:rPr>
+              <a:t> </a:t>
+            </a:r>
+            <a:r>
+              <a:rPr lang="en-US" sz="1800" dirty="0" err="1" smtClean="0">
+                <a:solidFill>
+                  <a:srgbClr val="FF0000"/>
+                </a:solidFill>
+              </a:rPr>
+              <a:t>lấy</a:t>
+            </a:r>
+            <a:r>
+              <a:rPr lang="en-US" sz="1800" dirty="0" smtClean="0">
+                <a:solidFill>
+                  <a:srgbClr val="FF0000"/>
+                </a:solidFill>
+              </a:rPr>
+              <a:t> </a:t>
+            </a:r>
+            <a:r>
+              <a:rPr lang="en-US" sz="1800" dirty="0" err="1" smtClean="0">
+                <a:solidFill>
+                  <a:srgbClr val="FF0000"/>
+                </a:solidFill>
+              </a:rPr>
+              <a:t>được</a:t>
+            </a:r>
+            <a:r>
+              <a:rPr lang="en-US" sz="1800" dirty="0" smtClean="0">
+                <a:solidFill>
+                  <a:srgbClr val="FF0000"/>
+                </a:solidFill>
+              </a:rPr>
+              <a:t> </a:t>
+            </a:r>
+            <a:r>
+              <a:rPr lang="en-US" sz="1800" dirty="0" err="1" smtClean="0">
+                <a:solidFill>
+                  <a:srgbClr val="FF0000"/>
+                </a:solidFill>
+              </a:rPr>
+              <a:t>thông</a:t>
+            </a:r>
+            <a:r>
+              <a:rPr lang="en-US" sz="1800" dirty="0" smtClean="0">
+                <a:solidFill>
+                  <a:srgbClr val="FF0000"/>
+                </a:solidFill>
+              </a:rPr>
+              <a:t> tin </a:t>
+            </a:r>
+            <a:r>
+              <a:rPr lang="en-US" sz="1800" dirty="0" err="1" smtClean="0">
+                <a:solidFill>
+                  <a:srgbClr val="FF0000"/>
+                </a:solidFill>
+              </a:rPr>
+              <a:t>học</a:t>
+            </a:r>
+            <a:r>
+              <a:rPr lang="en-US" sz="1800" dirty="0" smtClean="0">
+                <a:solidFill>
+                  <a:srgbClr val="FF0000"/>
+                </a:solidFill>
+              </a:rPr>
+              <a:t> </a:t>
+            </a:r>
+            <a:r>
+              <a:rPr lang="en-US" sz="1800" dirty="0" err="1" smtClean="0">
+                <a:solidFill>
+                  <a:srgbClr val="FF0000"/>
+                </a:solidFill>
+              </a:rPr>
+              <a:t>viên</a:t>
+            </a:r>
+            <a:r>
+              <a:rPr lang="en-US" sz="1800" dirty="0" smtClean="0">
+                <a:solidFill>
+                  <a:srgbClr val="FF0000"/>
+                </a:solidFill>
+              </a:rPr>
+              <a:t> </a:t>
+            </a:r>
+            <a:r>
+              <a:rPr lang="en-US" sz="1800" dirty="0" err="1" smtClean="0">
+                <a:solidFill>
+                  <a:srgbClr val="FF0000"/>
+                </a:solidFill>
+              </a:rPr>
+              <a:t>đã</a:t>
+            </a:r>
+            <a:r>
+              <a:rPr lang="en-US" sz="1800" dirty="0" smtClean="0">
+                <a:solidFill>
+                  <a:srgbClr val="FF0000"/>
+                </a:solidFill>
+              </a:rPr>
+              <a:t> </a:t>
+            </a:r>
+            <a:r>
+              <a:rPr lang="en-US" sz="1800" dirty="0" err="1" smtClean="0">
+                <a:solidFill>
+                  <a:srgbClr val="FF0000"/>
+                </a:solidFill>
+              </a:rPr>
+              <a:t>tốt</a:t>
+            </a:r>
+            <a:r>
+              <a:rPr lang="en-US" sz="1800" dirty="0" smtClean="0">
+                <a:solidFill>
+                  <a:srgbClr val="FF0000"/>
+                </a:solidFill>
+              </a:rPr>
+              <a:t> </a:t>
+            </a:r>
+            <a:r>
+              <a:rPr lang="en-US" sz="1800" dirty="0" err="1" smtClean="0">
+                <a:solidFill>
+                  <a:srgbClr val="FF0000"/>
+                </a:solidFill>
+              </a:rPr>
+              <a:t>nghiệp</a:t>
+            </a:r>
+            <a:r>
+              <a:rPr lang="en-US" sz="1800" dirty="0" smtClean="0">
+                <a:solidFill>
+                  <a:srgbClr val="FF0000"/>
+                </a:solidFill>
+              </a:rPr>
+              <a:t>?</a:t>
+            </a:r>
+          </a:p>
+          <a:p>
+            <a:pPr>
+              <a:buAutoNum type="arabicPeriod"/>
+            </a:pPr>
+            <a:r>
               <a:rPr lang="en-US" sz="1800" dirty="0" smtClean="0"/>
-              <a:t>1. </a:t>
+              <a:t>Cho 1 profile </a:t>
             </a:r>
             <a:r>
               <a:rPr lang="en-US" sz="1800" dirty="0" err="1" smtClean="0"/>
-              <a:t>Làm</a:t>
+              <a:t>dự</a:t>
             </a:r>
             <a:r>
               <a:rPr lang="en-US" sz="1800" dirty="0" smtClean="0"/>
@@ -5158,7 +5339,7 @@
             </a:r>
             <a:r>
               <a:rPr lang="en-US" sz="1800" dirty="0" err="1" smtClean="0"/>
-              <a:t>sao</a:t>
+              <a:t>báo</a:t>
             </a:r>
             <a:r>
               <a:rPr lang="en-US" sz="1800" dirty="0" smtClean="0"/>
@@ -5166,7 +5347,7 @@
             </a:r>
             <a:r>
               <a:rPr lang="en-US" sz="1800" dirty="0" err="1" smtClean="0"/>
-              <a:t>để</a:t>
+              <a:t>có</a:t>
             </a:r>
             <a:r>
               <a:rPr lang="en-US" sz="1800" dirty="0" smtClean="0"/>
@@ -5174,15 +5355,29 @@
             </a:r>
             <a:r>
               <a:rPr lang="en-US" sz="1800" dirty="0" err="1" smtClean="0"/>
-              <a:t>lấy</a:t>
+              <a:t>DropOut</a:t>
             </a:r>
             <a:r>
               <a:rPr lang="en-US" sz="1800" dirty="0" smtClean="0"/>
               <a:t> </a:t>
             </a:r>
             <a:r>
+              <a:rPr lang="en-US" sz="1800" smtClean="0"/>
+              <a:t>không?</a:t>
+            </a:r>
+            <a:endParaRPr lang="en-US" sz="1800" dirty="0" smtClean="0"/>
+          </a:p>
+          <a:p>
+            <a:pPr>
+              <a:buAutoNum type="arabicPeriod"/>
+            </a:pPr>
+            <a:r>
+              <a:rPr lang="en-US" sz="1800" dirty="0" smtClean="0"/>
+              <a:t>1 profile </a:t>
+            </a:r>
+            <a:r>
               <a:rPr lang="en-US" sz="1800" dirty="0" err="1" smtClean="0"/>
-              <a:t>được</a:t>
+              <a:t>dự</a:t>
             </a:r>
             <a:r>
               <a:rPr lang="en-US" sz="1800" dirty="0" smtClean="0"/>
@@ -5190,15 +5385,15 @@
             </a:r>
             <a:r>
               <a:rPr lang="en-US" sz="1800" dirty="0" err="1" smtClean="0"/>
-              <a:t>thông</a:t>
+              <a:t>báo</a:t>
             </a:r>
             <a:r>
               <a:rPr lang="en-US" sz="1800" dirty="0" smtClean="0"/>
-              <a:t> tin </a:t>
+              <a:t> </a:t>
             </a:r>
             <a:r>
               <a:rPr lang="en-US" sz="1800" dirty="0" err="1" smtClean="0"/>
-              <a:t>học</a:t>
+              <a:t>kỳ</a:t>
             </a:r>
             <a:r>
               <a:rPr lang="en-US" sz="1800" dirty="0" smtClean="0"/>
@@ -5206,7 +5401,7 @@
             </a:r>
             <a:r>
               <a:rPr lang="en-US" sz="1800" dirty="0" err="1" smtClean="0"/>
-              <a:t>viên</a:t>
+              <a:t>ra</a:t>
             </a:r>
             <a:r>
               <a:rPr lang="en-US" sz="1800" dirty="0" smtClean="0"/>
@@ -5214,7 +5409,7 @@
             </a:r>
             <a:r>
               <a:rPr lang="en-US" sz="1800" dirty="0" err="1" smtClean="0"/>
-              <a:t>đã</a:t>
+              <a:t>khỏi</a:t>
             </a:r>
             <a:r>
               <a:rPr lang="en-US" sz="1800" dirty="0" smtClean="0"/>
@@ -5222,20 +5417,17 @@
             </a:r>
             <a:r>
               <a:rPr lang="en-US" sz="1800" dirty="0" err="1" smtClean="0"/>
-              <a:t>tốt</a:t>
-            </a:r>
-            <a:r>
-              <a:rPr lang="en-US" sz="1800" dirty="0" smtClean="0"/>
-              <a:t> </a:t>
-            </a:r>
-            <a:r>
-              <a:rPr lang="en-US" sz="1800" dirty="0" err="1" smtClean="0"/>
-              <a:t>nghiệp</a:t>
+              <a:t>trường</a:t>
             </a:r>
             <a:r>
               <a:rPr lang="en-US" sz="1800" dirty="0" smtClean="0"/>
               <a:t>?</a:t>
             </a:r>
+          </a:p>
+          <a:p>
+            <a:pPr>
+              <a:buAutoNum type="arabicPeriod"/>
+            </a:pPr>
             <a:endParaRPr lang="en-US" sz="1800" dirty="0"/>
           </a:p>
         </p:txBody>

--- a/trunk/02. Database/Preprocessing/Understand Data+ Problem.pptx
+++ b/trunk/02. Database/Preprocessing/Understand Data+ Problem.pptx
@@ -4012,7 +4012,7 @@
         </p:spPr>
         <p:txBody>
           <a:bodyPr>
-            <a:normAutofit fontScale="85000" lnSpcReduction="10000"/>
+            <a:normAutofit fontScale="85000" lnSpcReduction="20000"/>
           </a:bodyPr>
           <a:lstStyle/>
           <a:p>
@@ -4414,6 +4414,19 @@
               <a:buNone/>
             </a:pPr>
             <a:r>
+              <a:rPr lang="en-US" sz="2000" dirty="0" smtClean="0"/>
+              <a:t>11(Model7</a:t>
+            </a:r>
+            <a:r>
+              <a:rPr lang="en-US" sz="2000" dirty="0" smtClean="0"/>
+              <a:t>)</a:t>
+            </a:r>
+          </a:p>
+          <a:p>
+            <a:pPr>
+              <a:buNone/>
+            </a:pPr>
+            <a:r>
               <a:rPr lang="en-US" sz="2000" dirty="0" err="1" smtClean="0"/>
               <a:t>Kỳ</a:t>
             </a:r>
@@ -4467,7 +4480,119 @@
             </a:r>
             <a:r>
               <a:rPr lang="en-US" sz="2000" dirty="0" smtClean="0"/>
-              <a:t> 8-9=&gt;&gt;11(Model7)</a:t>
+              <a:t> </a:t>
+            </a:r>
+            <a:r>
+              <a:rPr lang="en-US" sz="2000" dirty="0" smtClean="0"/>
+              <a:t>8-9=</a:t>
+            </a:r>
+            <a:r>
+              <a:rPr lang="en-US" sz="2000" dirty="0" err="1" smtClean="0"/>
+              <a:t>Kỳ</a:t>
+            </a:r>
+            <a:r>
+              <a:rPr lang="en-US" sz="2000" dirty="0" smtClean="0"/>
+              <a:t> </a:t>
+            </a:r>
+            <a:r>
+              <a:rPr lang="en-US" sz="2000" dirty="0" err="1" smtClean="0"/>
+              <a:t>đóng</a:t>
+            </a:r>
+            <a:r>
+              <a:rPr lang="en-US" sz="2000" dirty="0" smtClean="0"/>
+              <a:t> </a:t>
+            </a:r>
+            <a:r>
+              <a:rPr lang="en-US" sz="2000" dirty="0" err="1" smtClean="0"/>
+              <a:t>học</a:t>
+            </a:r>
+            <a:r>
+              <a:rPr lang="en-US" sz="2000" dirty="0" smtClean="0"/>
+              <a:t> </a:t>
+            </a:r>
+            <a:r>
+              <a:rPr lang="en-US" sz="2000" dirty="0" err="1" smtClean="0"/>
+              <a:t>phí</a:t>
+            </a:r>
+            <a:r>
+              <a:rPr lang="en-US" sz="2000" dirty="0" smtClean="0"/>
+              <a:t> </a:t>
+            </a:r>
+            <a:r>
+              <a:rPr lang="en-US" sz="2000" dirty="0" err="1" smtClean="0"/>
+              <a:t>cuối</a:t>
+            </a:r>
+            <a:r>
+              <a:rPr lang="en-US" sz="2000" dirty="0" smtClean="0"/>
+              <a:t> </a:t>
+            </a:r>
+            <a:r>
+              <a:rPr lang="en-US" sz="2000" dirty="0" err="1" smtClean="0"/>
+              <a:t>cùng</a:t>
+            </a:r>
+            <a:r>
+              <a:rPr lang="en-US" sz="2000" dirty="0" smtClean="0"/>
+              <a:t> -2 </a:t>
+            </a:r>
+            <a:r>
+              <a:rPr lang="en-US" sz="2000" dirty="0" err="1" smtClean="0"/>
+              <a:t>và</a:t>
+            </a:r>
+            <a:r>
+              <a:rPr lang="en-US" sz="2000" dirty="0" smtClean="0"/>
+              <a:t> 8-9=&gt;&gt;&gt;&gt;</a:t>
+            </a:r>
+            <a:r>
+              <a:rPr lang="en-US" sz="2000" dirty="0" smtClean="0"/>
+              <a:t>10,12(Model8): </a:t>
+            </a:r>
+            <a:r>
+              <a:rPr lang="en-US" sz="2000" dirty="0" err="1" smtClean="0"/>
+              <a:t>OutPut</a:t>
+            </a:r>
+            <a:r>
+              <a:rPr lang="en-US" sz="2000" dirty="0" smtClean="0"/>
+              <a:t>(</a:t>
+            </a:r>
+            <a:r>
+              <a:rPr lang="en-US" sz="2000" dirty="0" err="1" smtClean="0"/>
+              <a:t>Tạm</a:t>
+            </a:r>
+            <a:r>
+              <a:rPr lang="en-US" sz="2000" dirty="0" smtClean="0"/>
+              <a:t> </a:t>
+            </a:r>
+            <a:r>
+              <a:rPr lang="en-US" sz="2000" dirty="0" err="1" smtClean="0"/>
+              <a:t>ngừng</a:t>
+            </a:r>
+            <a:r>
+              <a:rPr lang="en-US" sz="2000" dirty="0" smtClean="0"/>
+              <a:t> or </a:t>
+            </a:r>
+            <a:r>
+              <a:rPr lang="en-US" sz="2000" dirty="0" err="1" smtClean="0"/>
+              <a:t>ko</a:t>
+            </a:r>
+            <a:r>
+              <a:rPr lang="en-US" sz="2000" dirty="0" smtClean="0"/>
+              <a:t> </a:t>
+            </a:r>
+            <a:r>
+              <a:rPr lang="en-US" sz="2000" dirty="0" err="1" smtClean="0"/>
+              <a:t>tạm</a:t>
+            </a:r>
+            <a:r>
+              <a:rPr lang="en-US" sz="2000" dirty="0" smtClean="0"/>
+              <a:t> </a:t>
+            </a:r>
+            <a:r>
+              <a:rPr lang="en-US" sz="2000" dirty="0" err="1" smtClean="0"/>
+              <a:t>ngừng</a:t>
+            </a:r>
+            <a:r>
+              <a:rPr lang="en-US" sz="2000" dirty="0" smtClean="0"/>
+              <a:t>)</a:t>
             </a:r>
           </a:p>
           <a:p>
@@ -4528,117 +4653,9 @@
             </a:r>
             <a:r>
               <a:rPr lang="en-US" sz="2000" dirty="0" smtClean="0"/>
-              <a:t> 8-9=&gt;&gt;10,12(Model8): </a:t>
-            </a:r>
-            <a:r>
-              <a:rPr lang="en-US" sz="2000" dirty="0" err="1" smtClean="0"/>
-              <a:t>OutPut</a:t>
-            </a:r>
-            <a:r>
-              <a:rPr lang="en-US" sz="2000" dirty="0" smtClean="0"/>
-              <a:t>(</a:t>
-            </a:r>
-            <a:r>
-              <a:rPr lang="en-US" sz="2000" dirty="0" err="1" smtClean="0"/>
-              <a:t>Tạm</a:t>
-            </a:r>
-            <a:r>
-              <a:rPr lang="en-US" sz="2000" dirty="0" smtClean="0"/>
-              <a:t> </a:t>
-            </a:r>
-            <a:r>
-              <a:rPr lang="en-US" sz="2000" dirty="0" err="1" smtClean="0"/>
-              <a:t>ngừng</a:t>
-            </a:r>
-            <a:r>
-              <a:rPr lang="en-US" sz="2000" dirty="0" smtClean="0"/>
-              <a:t> or </a:t>
-            </a:r>
-            <a:r>
-              <a:rPr lang="en-US" sz="2000" dirty="0" err="1" smtClean="0"/>
-              <a:t>ko</a:t>
-            </a:r>
-            <a:r>
-              <a:rPr lang="en-US" sz="2000" dirty="0" smtClean="0"/>
-              <a:t> </a:t>
-            </a:r>
-            <a:r>
-              <a:rPr lang="en-US" sz="2000" dirty="0" err="1" smtClean="0"/>
-              <a:t>tạm</a:t>
-            </a:r>
-            <a:r>
-              <a:rPr lang="en-US" sz="2000" dirty="0" smtClean="0"/>
-              <a:t> </a:t>
-            </a:r>
-            <a:r>
-              <a:rPr lang="en-US" sz="2000" dirty="0" err="1" smtClean="0"/>
-              <a:t>ngừng</a:t>
-            </a:r>
-            <a:r>
-              <a:rPr lang="en-US" sz="2000" dirty="0" smtClean="0"/>
-              <a:t>)</a:t>
-            </a:r>
-          </a:p>
-          <a:p>
-            <a:pPr>
-              <a:buNone/>
-            </a:pPr>
-            <a:r>
-              <a:rPr lang="en-US" sz="2000" dirty="0" err="1" smtClean="0"/>
-              <a:t>Kỳ</a:t>
-            </a:r>
-            <a:r>
-              <a:rPr lang="en-US" sz="2000" dirty="0" smtClean="0"/>
-              <a:t> </a:t>
-            </a:r>
-            <a:r>
-              <a:rPr lang="en-US" sz="2000" dirty="0" err="1" smtClean="0"/>
-              <a:t>đóng</a:t>
-            </a:r>
-            <a:r>
-              <a:rPr lang="en-US" sz="2000" dirty="0" smtClean="0"/>
-              <a:t> </a:t>
-            </a:r>
-            <a:r>
-              <a:rPr lang="en-US" sz="2000" dirty="0" err="1" smtClean="0"/>
-              <a:t>học</a:t>
-            </a:r>
-            <a:r>
-              <a:rPr lang="en-US" sz="2000" dirty="0" smtClean="0"/>
-              <a:t> </a:t>
-            </a:r>
-            <a:r>
-              <a:rPr lang="en-US" sz="2000" dirty="0" err="1" smtClean="0"/>
-              <a:t>phí</a:t>
-            </a:r>
-            <a:r>
-              <a:rPr lang="en-US" sz="2000" dirty="0" smtClean="0"/>
-              <a:t> </a:t>
-            </a:r>
-            <a:r>
-              <a:rPr lang="en-US" sz="2000" dirty="0" err="1" smtClean="0"/>
-              <a:t>cuối</a:t>
-            </a:r>
-            <a:r>
-              <a:rPr lang="en-US" sz="2000" dirty="0" smtClean="0"/>
-              <a:t> </a:t>
-            </a:r>
-            <a:r>
-              <a:rPr lang="en-US" sz="2000" dirty="0" err="1" smtClean="0"/>
-              <a:t>cùng</a:t>
-            </a:r>
-            <a:r>
-              <a:rPr lang="en-US" sz="2000" dirty="0" smtClean="0"/>
-              <a:t> -2 </a:t>
-            </a:r>
-            <a:r>
-              <a:rPr lang="en-US" sz="2000" dirty="0" err="1" smtClean="0"/>
-              <a:t>và</a:t>
-            </a:r>
-            <a:r>
-              <a:rPr lang="en-US" sz="2000" dirty="0" smtClean="0"/>
               <a:t> 10-12=&gt;&gt;11(Model9)</a:t>
             </a:r>
+            <a:endParaRPr lang="en-US" sz="2000" dirty="0" smtClean="0"/>
           </a:p>
           <a:p>
             <a:pPr>
@@ -5362,10 +5379,13 @@
               <a:t> </a:t>
             </a:r>
             <a:r>
-              <a:rPr lang="en-US" sz="1800" smtClean="0"/>
-              <a:t>không?</a:t>
-            </a:r>
-            <a:endParaRPr lang="en-US" sz="1800" dirty="0" smtClean="0"/>
+              <a:rPr lang="en-US" sz="1800" dirty="0" err="1" smtClean="0"/>
+              <a:t>không</a:t>
+            </a:r>
+            <a:r>
+              <a:rPr lang="en-US" sz="1800" dirty="0" smtClean="0"/>
+              <a:t>?</a:t>
+            </a:r>
           </a:p>
           <a:p>
             <a:pPr>
@@ -5422,6 +5442,19 @@
             <a:r>
               <a:rPr lang="en-US" sz="1800" dirty="0" smtClean="0"/>
               <a:t>?</a:t>
+            </a:r>
+          </a:p>
+          <a:p>
+            <a:pPr>
+              <a:buAutoNum type="arabicPeriod"/>
+            </a:pPr>
+            <a:r>
+              <a:rPr lang="en-US" sz="1800" dirty="0" err="1" smtClean="0"/>
+              <a:t>Ngoài</a:t>
+            </a:r>
+            <a:r>
+              <a:rPr lang="en-US" sz="1800" dirty="0" smtClean="0"/>
+              <a:t> Profile???</a:t>
             </a:r>
           </a:p>
           <a:p>
